--- a/ISR.pptx
+++ b/ISR.pptx
@@ -7,6 +7,7 @@
   <p:sldIdLst>
     <p:sldId id="257" r:id="rId2"/>
     <p:sldId id="258" r:id="rId3"/>
+    <p:sldId id="259" r:id="rId4"/>
   </p:sldIdLst>
   <p:sldSz cx="12192000" cy="6858000"/>
   <p:notesSz cx="6858000" cy="9144000"/>
@@ -3378,8 +3379,8 @@
         </p:nvSpPr>
         <p:spPr>
           <a:xfrm>
-            <a:off x="5021971" y="2278615"/>
-            <a:ext cx="1774340" cy="537196"/>
+            <a:off x="4739751" y="2278615"/>
+            <a:ext cx="2352896" cy="537196"/>
           </a:xfrm>
           <a:prstGeom prst="roundRect">
             <a:avLst/>
@@ -3424,8 +3425,8 @@
         </p:nvSpPr>
         <p:spPr>
           <a:xfrm>
-            <a:off x="5021971" y="2316381"/>
-            <a:ext cx="1774340" cy="461665"/>
+            <a:off x="4739751" y="2316381"/>
+            <a:ext cx="2338780" cy="461665"/>
           </a:xfrm>
           <a:prstGeom prst="rect">
             <a:avLst/>
@@ -3445,7 +3446,7 @@
                 <a:ea typeface="Helvetica" charset="0"/>
                 <a:cs typeface="Helvetica" charset="0"/>
               </a:rPr>
-              <a:t>Is it sufficient with the magnetic circuit?</a:t>
+              <a:t>Is it sufficient with the magnetic circuit of the PMU magnet?</a:t>
             </a:r>
             <a:endParaRPr kumimoji="1" lang="ja-JP" altLang="en-US" sz="1200" dirty="0">
               <a:latin typeface="Helvetica" charset="0"/>
@@ -3555,8 +3556,8 @@
         </p:nvSpPr>
         <p:spPr>
           <a:xfrm>
-            <a:off x="4919886" y="3644494"/>
-            <a:ext cx="1978510" cy="537196"/>
+            <a:off x="4375366" y="3688358"/>
+            <a:ext cx="3047741" cy="1268883"/>
           </a:xfrm>
           <a:prstGeom prst="roundRect">
             <a:avLst/>
@@ -3564,7 +3565,7 @@
           <a:noFill/>
           <a:ln w="28575">
             <a:solidFill>
-              <a:schemeClr val="accent1"/>
+              <a:srgbClr val="FF0000"/>
             </a:solidFill>
           </a:ln>
         </p:spPr>
@@ -3601,8 +3602,8 @@
         </p:nvSpPr>
         <p:spPr>
           <a:xfrm>
-            <a:off x="4919885" y="3682259"/>
-            <a:ext cx="1978511" cy="461665"/>
+            <a:off x="4435988" y="3776495"/>
+            <a:ext cx="2926496" cy="1092607"/>
           </a:xfrm>
           <a:prstGeom prst="rect">
             <a:avLst/>
@@ -3615,30 +3616,97 @@
           </a:bodyPr>
           <a:lstStyle/>
           <a:p>
-            <a:pPr algn="ctr"/>
+            <a:pPr algn="ctr">
+              <a:spcBef>
+                <a:spcPts val="300"/>
+              </a:spcBef>
+              <a:spcAft>
+                <a:spcPts val="300"/>
+              </a:spcAft>
+            </a:pPr>
+            <a:r>
+              <a:rPr kumimoji="1" lang="en-US" altLang="ja-JP" sz="1400" b="1" dirty="0" smtClean="0">
+                <a:latin typeface="Helvetica" charset="0"/>
+                <a:ea typeface="Helvetica" charset="0"/>
+                <a:cs typeface="Helvetica" charset="0"/>
+              </a:rPr>
+              <a:t>Design the PMU magnetic shield</a:t>
+            </a:r>
+          </a:p>
+          <a:p>
+            <a:pPr marL="171450" indent="-171450">
+              <a:spcBef>
+                <a:spcPts val="300"/>
+              </a:spcBef>
+              <a:spcAft>
+                <a:spcPts val="300"/>
+              </a:spcAft>
+              <a:buFontTx/>
+              <a:buChar char="-"/>
+            </a:pPr>
             <a:r>
               <a:rPr lang="en-US" altLang="ja-JP" sz="1200" dirty="0" smtClean="0">
                 <a:latin typeface="Helvetica" charset="0"/>
                 <a:ea typeface="Helvetica" charset="0"/>
                 <a:cs typeface="Helvetica" charset="0"/>
               </a:rPr>
-              <a:t>Mag. </a:t>
-            </a:r>
-            <a:r>
-              <a:rPr lang="en-US" altLang="ja-JP" sz="1200" dirty="0">
+              <a:t>Position : PMU side? Detector side?</a:t>
+            </a:r>
+          </a:p>
+          <a:p>
+            <a:pPr marL="171450" indent="-171450">
+              <a:spcBef>
+                <a:spcPts val="300"/>
+              </a:spcBef>
+              <a:spcAft>
+                <a:spcPts val="300"/>
+              </a:spcAft>
+              <a:buFontTx/>
+              <a:buChar char="-"/>
+            </a:pPr>
+            <a:r>
+              <a:rPr kumimoji="1" lang="en-US" altLang="ja-JP" sz="1200" dirty="0" smtClean="0">
                 <a:latin typeface="Helvetica" charset="0"/>
                 <a:ea typeface="Helvetica" charset="0"/>
                 <a:cs typeface="Helvetica" charset="0"/>
               </a:rPr>
-              <a:t>s</a:t>
-            </a:r>
+              <a:t>Shape : Plate? Cylinder?</a:t>
+            </a:r>
+          </a:p>
+          <a:p>
+            <a:pPr marL="171450" indent="-171450">
+              <a:spcBef>
+                <a:spcPts val="300"/>
+              </a:spcBef>
+              <a:spcAft>
+                <a:spcPts val="300"/>
+              </a:spcAft>
+              <a:buFontTx/>
+              <a:buChar char="-"/>
+            </a:pPr>
             <a:r>
               <a:rPr lang="en-US" altLang="ja-JP" sz="1200" dirty="0" smtClean="0">
                 <a:latin typeface="Helvetica" charset="0"/>
                 <a:ea typeface="Helvetica" charset="0"/>
                 <a:cs typeface="Helvetica" charset="0"/>
               </a:rPr>
-              <a:t>hield at PMU side? or at detector side?</a:t>
+              <a:t>Material : A4K? </a:t>
+            </a:r>
+            <a:r>
+              <a:rPr lang="en-US" altLang="ja-JP" sz="1200" dirty="0" err="1" smtClean="0">
+                <a:latin typeface="Helvetica" charset="0"/>
+                <a:ea typeface="Helvetica" charset="0"/>
+                <a:cs typeface="Helvetica" charset="0"/>
+              </a:rPr>
+              <a:t>Cryoperm</a:t>
+            </a:r>
+            <a:r>
+              <a:rPr lang="en-US" altLang="ja-JP" sz="1200" dirty="0" smtClean="0">
+                <a:latin typeface="Helvetica" charset="0"/>
+                <a:ea typeface="Helvetica" charset="0"/>
+                <a:cs typeface="Helvetica" charset="0"/>
+              </a:rPr>
+              <a:t>?</a:t>
             </a:r>
             <a:endParaRPr kumimoji="1" lang="ja-JP" altLang="en-US" sz="1200" dirty="0">
               <a:latin typeface="Helvetica" charset="0"/>
@@ -3731,167 +3799,6 @@
                 <a:cs typeface="Helvetica" charset="0"/>
               </a:rPr>
               <a:t>No magnetic shield for the PMU</a:t>
-            </a:r>
-            <a:endParaRPr kumimoji="1" lang="ja-JP" altLang="en-US" sz="1200" dirty="0">
-              <a:latin typeface="Helvetica" charset="0"/>
-              <a:ea typeface="Helvetica" charset="0"/>
-              <a:cs typeface="Helvetica" charset="0"/>
-            </a:endParaRPr>
-          </a:p>
-        </p:txBody>
-      </p:sp>
-      <p:sp>
-        <p:nvSpPr>
-          <p:cNvPr id="14" name="角丸四角形 13"/>
-          <p:cNvSpPr/>
-          <p:nvPr/>
-        </p:nvSpPr>
-        <p:spPr>
-          <a:xfrm>
-            <a:off x="3458212" y="5004879"/>
-            <a:ext cx="1978510" cy="868763"/>
-          </a:xfrm>
-          <a:prstGeom prst="roundRect">
-            <a:avLst/>
-          </a:prstGeom>
-          <a:noFill/>
-          <a:ln w="28575">
-            <a:solidFill>
-              <a:srgbClr val="FF0000"/>
-            </a:solidFill>
-          </a:ln>
-        </p:spPr>
-        <p:style>
-          <a:lnRef idx="2">
-            <a:schemeClr val="accent1">
-              <a:shade val="50000"/>
-            </a:schemeClr>
-          </a:lnRef>
-          <a:fillRef idx="1">
-            <a:schemeClr val="accent1"/>
-          </a:fillRef>
-          <a:effectRef idx="0">
-            <a:schemeClr val="accent1"/>
-          </a:effectRef>
-          <a:fontRef idx="minor">
-            <a:schemeClr val="lt1"/>
-          </a:fontRef>
-        </p:style>
-        <p:txBody>
-          <a:bodyPr rtlCol="0" anchor="ctr"/>
-          <a:lstStyle/>
-          <a:p>
-            <a:pPr algn="ctr"/>
-            <a:endParaRPr kumimoji="1" lang="ja-JP" altLang="en-US"/>
-          </a:p>
-        </p:txBody>
-      </p:sp>
-      <p:sp>
-        <p:nvSpPr>
-          <p:cNvPr id="15" name="テキスト ボックス 14"/>
-          <p:cNvSpPr txBox="1"/>
-          <p:nvPr/>
-        </p:nvSpPr>
-        <p:spPr>
-          <a:xfrm>
-            <a:off x="3458211" y="5042645"/>
-            <a:ext cx="1978511" cy="830997"/>
-          </a:xfrm>
-          <a:prstGeom prst="rect">
-            <a:avLst/>
-          </a:prstGeom>
-          <a:noFill/>
-        </p:spPr>
-        <p:txBody>
-          <a:bodyPr wrap="square" rtlCol="0">
-            <a:spAutoFit/>
-          </a:bodyPr>
-          <a:lstStyle/>
-          <a:p>
-            <a:pPr algn="ctr"/>
-            <a:r>
-              <a:rPr kumimoji="1" lang="en-US" altLang="ja-JP" sz="1200" dirty="0" smtClean="0">
-                <a:latin typeface="Helvetica" charset="0"/>
-                <a:ea typeface="Helvetica" charset="0"/>
-                <a:cs typeface="Helvetica" charset="0"/>
-              </a:rPr>
-              <a:t>Design the mag. </a:t>
-            </a:r>
-            <a:r>
-              <a:rPr lang="en-US" altLang="ja-JP" sz="1200" dirty="0" smtClean="0">
-                <a:latin typeface="Helvetica" charset="0"/>
-                <a:ea typeface="Helvetica" charset="0"/>
-                <a:cs typeface="Helvetica" charset="0"/>
-              </a:rPr>
-              <a:t>s</a:t>
-            </a:r>
-            <a:r>
-              <a:rPr kumimoji="1" lang="en-US" altLang="ja-JP" sz="1200" dirty="0" smtClean="0">
-                <a:latin typeface="Helvetica" charset="0"/>
-                <a:ea typeface="Helvetica" charset="0"/>
-                <a:cs typeface="Helvetica" charset="0"/>
-              </a:rPr>
-              <a:t>hield configuration at PMU side</a:t>
-            </a:r>
-          </a:p>
-          <a:p>
-            <a:r>
-              <a:rPr lang="en-US" altLang="ja-JP" sz="1200" dirty="0" smtClean="0">
-                <a:latin typeface="Helvetica" charset="0"/>
-                <a:ea typeface="Helvetica" charset="0"/>
-                <a:cs typeface="Helvetica" charset="0"/>
-              </a:rPr>
-              <a:t> </a:t>
-            </a:r>
-            <a:r>
-              <a:rPr lang="ja-JP" altLang="en-US" sz="1200" dirty="0" smtClean="0">
-                <a:latin typeface="Helvetica" charset="0"/>
-                <a:ea typeface="Helvetica" charset="0"/>
-                <a:cs typeface="Helvetica" charset="0"/>
-              </a:rPr>
-              <a:t>　</a:t>
-            </a:r>
-            <a:r>
-              <a:rPr lang="en-US" altLang="ja-JP" sz="1200" dirty="0" smtClean="0">
-                <a:latin typeface="Helvetica" charset="0"/>
-                <a:ea typeface="Helvetica" charset="0"/>
-                <a:cs typeface="Helvetica" charset="0"/>
-              </a:rPr>
-              <a:t>- Shape? </a:t>
-            </a:r>
-          </a:p>
-          <a:p>
-            <a:r>
-              <a:rPr lang="en-US" altLang="ja-JP" sz="1200" dirty="0" smtClean="0">
-                <a:latin typeface="Helvetica" charset="0"/>
-                <a:ea typeface="Helvetica" charset="0"/>
-                <a:cs typeface="Helvetica" charset="0"/>
-              </a:rPr>
-              <a:t> </a:t>
-            </a:r>
-            <a:r>
-              <a:rPr lang="ja-JP" altLang="en-US" sz="1200" dirty="0" smtClean="0">
-                <a:latin typeface="Helvetica" charset="0"/>
-                <a:ea typeface="Helvetica" charset="0"/>
-                <a:cs typeface="Helvetica" charset="0"/>
-              </a:rPr>
-              <a:t>　</a:t>
-            </a:r>
-            <a:r>
-              <a:rPr lang="en-US" altLang="ja-JP" sz="1200" dirty="0" smtClean="0">
-                <a:latin typeface="Helvetica" charset="0"/>
-                <a:ea typeface="Helvetica" charset="0"/>
-                <a:cs typeface="Helvetica" charset="0"/>
-              </a:rPr>
-              <a:t>- Material?</a:t>
-            </a:r>
-            <a:r>
-              <a:rPr kumimoji="1" lang="en-US" altLang="ja-JP" sz="1200" dirty="0" smtClean="0">
-                <a:latin typeface="Helvetica" charset="0"/>
-                <a:ea typeface="Helvetica" charset="0"/>
-                <a:cs typeface="Helvetica" charset="0"/>
-              </a:rPr>
-              <a:t> </a:t>
             </a:r>
             <a:endParaRPr kumimoji="1" lang="ja-JP" altLang="en-US" sz="1200" dirty="0">
               <a:latin typeface="Helvetica" charset="0"/>
@@ -4093,7 +4000,7 @@
         </p:nvSpPr>
         <p:spPr>
           <a:xfrm>
-            <a:off x="7078531" y="2224556"/>
+            <a:off x="7229480" y="2240851"/>
             <a:ext cx="492443" cy="276999"/>
           </a:xfrm>
           <a:prstGeom prst="rect">
@@ -4161,247 +4068,6 @@
           </a:p>
         </p:txBody>
       </p:sp>
-      <p:sp>
-        <p:nvSpPr>
-          <p:cNvPr id="39" name="角丸四角形 38"/>
-          <p:cNvSpPr/>
-          <p:nvPr/>
-        </p:nvSpPr>
-        <p:spPr>
-          <a:xfrm>
-            <a:off x="6271144" y="4967114"/>
-            <a:ext cx="2182680" cy="868762"/>
-          </a:xfrm>
-          <a:prstGeom prst="roundRect">
-            <a:avLst/>
-          </a:prstGeom>
-          <a:noFill/>
-          <a:ln w="28575">
-            <a:solidFill>
-              <a:srgbClr val="FF0000"/>
-            </a:solidFill>
-          </a:ln>
-        </p:spPr>
-        <p:style>
-          <a:lnRef idx="2">
-            <a:schemeClr val="accent1">
-              <a:shade val="50000"/>
-            </a:schemeClr>
-          </a:lnRef>
-          <a:fillRef idx="1">
-            <a:schemeClr val="accent1"/>
-          </a:fillRef>
-          <a:effectRef idx="0">
-            <a:schemeClr val="accent1"/>
-          </a:effectRef>
-          <a:fontRef idx="minor">
-            <a:schemeClr val="lt1"/>
-          </a:fontRef>
-        </p:style>
-        <p:txBody>
-          <a:bodyPr rtlCol="0" anchor="ctr"/>
-          <a:lstStyle/>
-          <a:p>
-            <a:pPr algn="ctr"/>
-            <a:endParaRPr kumimoji="1" lang="ja-JP" altLang="en-US"/>
-          </a:p>
-        </p:txBody>
-      </p:sp>
-      <p:sp>
-        <p:nvSpPr>
-          <p:cNvPr id="40" name="テキスト ボックス 39"/>
-          <p:cNvSpPr txBox="1"/>
-          <p:nvPr/>
-        </p:nvSpPr>
-        <p:spPr>
-          <a:xfrm>
-            <a:off x="6258188" y="5004879"/>
-            <a:ext cx="2182681" cy="830997"/>
-          </a:xfrm>
-          <a:prstGeom prst="rect">
-            <a:avLst/>
-          </a:prstGeom>
-          <a:noFill/>
-        </p:spPr>
-        <p:txBody>
-          <a:bodyPr wrap="square" rtlCol="0">
-            <a:spAutoFit/>
-          </a:bodyPr>
-          <a:lstStyle/>
-          <a:p>
-            <a:pPr algn="ctr"/>
-            <a:r>
-              <a:rPr kumimoji="1" lang="en-US" altLang="ja-JP" sz="1200" dirty="0" smtClean="0">
-                <a:latin typeface="Helvetica" charset="0"/>
-                <a:ea typeface="Helvetica" charset="0"/>
-                <a:cs typeface="Helvetica" charset="0"/>
-              </a:rPr>
-              <a:t>Design the mag. </a:t>
-            </a:r>
-            <a:r>
-              <a:rPr lang="en-US" altLang="ja-JP" sz="1200" dirty="0" smtClean="0">
-                <a:latin typeface="Helvetica" charset="0"/>
-                <a:ea typeface="Helvetica" charset="0"/>
-                <a:cs typeface="Helvetica" charset="0"/>
-              </a:rPr>
-              <a:t>s</a:t>
-            </a:r>
-            <a:r>
-              <a:rPr kumimoji="1" lang="en-US" altLang="ja-JP" sz="1200" dirty="0" smtClean="0">
-                <a:latin typeface="Helvetica" charset="0"/>
-                <a:ea typeface="Helvetica" charset="0"/>
-                <a:cs typeface="Helvetica" charset="0"/>
-              </a:rPr>
-              <a:t>hield configuration at detector side</a:t>
-            </a:r>
-          </a:p>
-          <a:p>
-            <a:r>
-              <a:rPr lang="en-US" altLang="ja-JP" sz="1200" dirty="0" smtClean="0">
-                <a:latin typeface="Helvetica" charset="0"/>
-                <a:ea typeface="Helvetica" charset="0"/>
-                <a:cs typeface="Helvetica" charset="0"/>
-              </a:rPr>
-              <a:t> </a:t>
-            </a:r>
-            <a:r>
-              <a:rPr lang="ja-JP" altLang="en-US" sz="1200" dirty="0" smtClean="0">
-                <a:latin typeface="Helvetica" charset="0"/>
-                <a:ea typeface="Helvetica" charset="0"/>
-                <a:cs typeface="Helvetica" charset="0"/>
-              </a:rPr>
-              <a:t>　</a:t>
-            </a:r>
-            <a:r>
-              <a:rPr lang="en-US" altLang="ja-JP" sz="1200" dirty="0" smtClean="0">
-                <a:latin typeface="Helvetica" charset="0"/>
-                <a:ea typeface="Helvetica" charset="0"/>
-                <a:cs typeface="Helvetica" charset="0"/>
-              </a:rPr>
-              <a:t>- Shape? </a:t>
-            </a:r>
-          </a:p>
-          <a:p>
-            <a:r>
-              <a:rPr lang="en-US" altLang="ja-JP" sz="1200" dirty="0" smtClean="0">
-                <a:latin typeface="Helvetica" charset="0"/>
-                <a:ea typeface="Helvetica" charset="0"/>
-                <a:cs typeface="Helvetica" charset="0"/>
-              </a:rPr>
-              <a:t> </a:t>
-            </a:r>
-            <a:r>
-              <a:rPr lang="ja-JP" altLang="en-US" sz="1200" dirty="0" smtClean="0">
-                <a:latin typeface="Helvetica" charset="0"/>
-                <a:ea typeface="Helvetica" charset="0"/>
-                <a:cs typeface="Helvetica" charset="0"/>
-              </a:rPr>
-              <a:t>　</a:t>
-            </a:r>
-            <a:r>
-              <a:rPr lang="en-US" altLang="ja-JP" sz="1200" dirty="0" smtClean="0">
-                <a:latin typeface="Helvetica" charset="0"/>
-                <a:ea typeface="Helvetica" charset="0"/>
-                <a:cs typeface="Helvetica" charset="0"/>
-              </a:rPr>
-              <a:t>- Material?</a:t>
-            </a:r>
-            <a:r>
-              <a:rPr lang="en-US" altLang="ja-JP" sz="1200" dirty="0">
-                <a:latin typeface="Helvetica" charset="0"/>
-                <a:ea typeface="Helvetica" charset="0"/>
-                <a:cs typeface="Helvetica" charset="0"/>
-              </a:rPr>
-              <a:t> </a:t>
-            </a:r>
-            <a:r>
-              <a:rPr kumimoji="1" lang="en-US" altLang="ja-JP" sz="1200" dirty="0" smtClean="0">
-                <a:latin typeface="Helvetica" charset="0"/>
-                <a:ea typeface="Helvetica" charset="0"/>
-                <a:cs typeface="Helvetica" charset="0"/>
-              </a:rPr>
-              <a:t> </a:t>
-            </a:r>
-            <a:endParaRPr kumimoji="1" lang="ja-JP" altLang="en-US" sz="1200" dirty="0">
-              <a:latin typeface="Helvetica" charset="0"/>
-              <a:ea typeface="Helvetica" charset="0"/>
-              <a:cs typeface="Helvetica" charset="0"/>
-            </a:endParaRPr>
-          </a:p>
-        </p:txBody>
-      </p:sp>
-      <p:cxnSp>
-        <p:nvCxnSpPr>
-          <p:cNvPr id="41" name="直線矢印コネクタ 40"/>
-          <p:cNvCxnSpPr/>
-          <p:nvPr/>
-        </p:nvCxnSpPr>
-        <p:spPr>
-          <a:xfrm flipH="1">
-            <a:off x="4919725" y="4204837"/>
-            <a:ext cx="1003654" cy="712250"/>
-          </a:xfrm>
-          <a:prstGeom prst="straightConnector1">
-            <a:avLst/>
-          </a:prstGeom>
-          <a:ln w="19050">
-            <a:solidFill>
-              <a:schemeClr val="tx1"/>
-            </a:solidFill>
-            <a:tailEnd type="triangle"/>
-          </a:ln>
-        </p:spPr>
-        <p:style>
-          <a:lnRef idx="1">
-            <a:schemeClr val="accent1"/>
-          </a:lnRef>
-          <a:fillRef idx="0">
-            <a:schemeClr val="accent1"/>
-          </a:fillRef>
-          <a:effectRef idx="0">
-            <a:schemeClr val="accent1"/>
-          </a:effectRef>
-          <a:fontRef idx="minor">
-            <a:schemeClr val="tx1"/>
-          </a:fontRef>
-        </p:style>
-      </p:cxnSp>
-      <p:cxnSp>
-        <p:nvCxnSpPr>
-          <p:cNvPr id="42" name="直線矢印コネクタ 41"/>
-          <p:cNvCxnSpPr/>
-          <p:nvPr/>
-        </p:nvCxnSpPr>
-        <p:spPr>
-          <a:xfrm>
-            <a:off x="5923379" y="4187099"/>
-            <a:ext cx="986959" cy="689381"/>
-          </a:xfrm>
-          <a:prstGeom prst="straightConnector1">
-            <a:avLst/>
-          </a:prstGeom>
-          <a:ln w="19050">
-            <a:solidFill>
-              <a:schemeClr val="tx1"/>
-            </a:solidFill>
-            <a:tailEnd type="triangle"/>
-          </a:ln>
-        </p:spPr>
-        <p:style>
-          <a:lnRef idx="1">
-            <a:schemeClr val="accent1"/>
-          </a:lnRef>
-          <a:fillRef idx="0">
-            <a:schemeClr val="accent1"/>
-          </a:fillRef>
-          <a:effectRef idx="0">
-            <a:schemeClr val="accent1"/>
-          </a:effectRef>
-          <a:fontRef idx="minor">
-            <a:schemeClr val="tx1"/>
-          </a:fontRef>
-        </p:style>
-      </p:cxnSp>
       <p:cxnSp>
         <p:nvCxnSpPr>
           <p:cNvPr id="48" name="直線矢印コネクタ 47"/>
@@ -4409,9 +4075,9 @@
           <p:nvPr/>
         </p:nvCxnSpPr>
         <p:spPr>
-          <a:xfrm>
-            <a:off x="6796311" y="2539321"/>
-            <a:ext cx="1132347" cy="0"/>
+          <a:xfrm flipV="1">
+            <a:off x="7104839" y="2539321"/>
+            <a:ext cx="836011" cy="0"/>
           </a:xfrm>
           <a:prstGeom prst="straightConnector1">
             <a:avLst/>
@@ -4470,103 +4136,202 @@
       </p:grpSpPr>
       <p:grpSp>
         <p:nvGrpSpPr>
-          <p:cNvPr id="20" name="図形グループ 19"/>
-          <p:cNvGrpSpPr>
-            <a:grpSpLocks noChangeAspect="1"/>
-          </p:cNvGrpSpPr>
+          <p:cNvPr id="32" name="図形グループ 31"/>
+          <p:cNvGrpSpPr/>
           <p:nvPr/>
         </p:nvGrpSpPr>
         <p:grpSpPr>
           <a:xfrm>
-            <a:off x="2291624" y="822594"/>
-            <a:ext cx="5017089" cy="4895797"/>
-            <a:chOff x="1780032" y="648716"/>
-            <a:chExt cx="5470144" cy="5337899"/>
+            <a:off x="1962458" y="883842"/>
+            <a:ext cx="5017089" cy="4663861"/>
+            <a:chOff x="1948283" y="822594"/>
+            <a:chExt cx="5017089" cy="4663861"/>
           </a:xfrm>
         </p:grpSpPr>
-        <p:pic>
-          <p:nvPicPr>
-            <p:cNvPr id="6" name="図 5"/>
-            <p:cNvPicPr>
-              <a:picLocks noChangeAspect="1"/>
-            </p:cNvPicPr>
+        <p:grpSp>
+          <p:nvGrpSpPr>
+            <p:cNvPr id="20" name="図形グループ 19"/>
+            <p:cNvGrpSpPr>
+              <a:grpSpLocks noChangeAspect="1"/>
+            </p:cNvGrpSpPr>
             <p:nvPr/>
-          </p:nvPicPr>
-          <p:blipFill rotWithShape="1">
-            <a:blip r:embed="rId2"/>
-            <a:srcRect l="1571" t="5936" r="15153" b="18758"/>
-            <a:stretch/>
-          </p:blipFill>
-          <p:spPr>
+          </p:nvGrpSpPr>
+          <p:grpSpPr>
             <a:xfrm>
-              <a:off x="1780032" y="648716"/>
-              <a:ext cx="5470144" cy="5337899"/>
+              <a:off x="1948283" y="822594"/>
+              <a:ext cx="5017089" cy="4663861"/>
+              <a:chOff x="1780032" y="648716"/>
+              <a:chExt cx="5470144" cy="5085019"/>
             </a:xfrm>
-            <a:prstGeom prst="rect">
-              <a:avLst/>
-            </a:prstGeom>
-          </p:spPr>
-        </p:pic>
+          </p:grpSpPr>
+          <p:pic>
+            <p:nvPicPr>
+              <p:cNvPr id="6" name="図 5"/>
+              <p:cNvPicPr>
+                <a:picLocks noChangeAspect="1"/>
+              </p:cNvPicPr>
+              <p:nvPr/>
+            </p:nvPicPr>
+            <p:blipFill rotWithShape="1">
+              <a:blip r:embed="rId2"/>
+              <a:srcRect l="1571" t="5936" r="15153" b="22326"/>
+              <a:stretch/>
+            </p:blipFill>
+            <p:spPr>
+              <a:xfrm>
+                <a:off x="1780032" y="648716"/>
+                <a:ext cx="5470144" cy="5085019"/>
+              </a:xfrm>
+              <a:prstGeom prst="rect">
+                <a:avLst/>
+              </a:prstGeom>
+            </p:spPr>
+          </p:pic>
+          <p:sp>
+            <p:nvSpPr>
+              <p:cNvPr id="8" name="正方形/長方形 7"/>
+              <p:cNvSpPr/>
+              <p:nvPr/>
+            </p:nvSpPr>
+            <p:spPr>
+              <a:xfrm rot="1800000">
+                <a:off x="4620177" y="2307240"/>
+                <a:ext cx="1560073" cy="186686"/>
+              </a:xfrm>
+              <a:prstGeom prst="rect">
+                <a:avLst/>
+              </a:prstGeom>
+              <a:solidFill>
+                <a:srgbClr val="FF0000">
+                  <a:alpha val="30000"/>
+                </a:srgbClr>
+              </a:solidFill>
+              <a:ln w="38100">
+                <a:solidFill>
+                  <a:srgbClr val="FF0000"/>
+                </a:solidFill>
+              </a:ln>
+            </p:spPr>
+            <p:style>
+              <a:lnRef idx="2">
+                <a:schemeClr val="accent1">
+                  <a:shade val="50000"/>
+                </a:schemeClr>
+              </a:lnRef>
+              <a:fillRef idx="1">
+                <a:schemeClr val="accent1"/>
+              </a:fillRef>
+              <a:effectRef idx="0">
+                <a:schemeClr val="accent1"/>
+              </a:effectRef>
+              <a:fontRef idx="minor">
+                <a:schemeClr val="lt1"/>
+              </a:fontRef>
+            </p:style>
+            <p:txBody>
+              <a:bodyPr rtlCol="0" anchor="ctr"/>
+              <a:lstStyle/>
+              <a:p>
+                <a:pPr algn="ctr"/>
+                <a:endParaRPr kumimoji="1" lang="ja-JP" altLang="en-US"/>
+              </a:p>
+            </p:txBody>
+          </p:sp>
+          <p:sp>
+            <p:nvSpPr>
+              <p:cNvPr id="10" name="テキスト ボックス 9"/>
+              <p:cNvSpPr txBox="1"/>
+              <p:nvPr/>
+            </p:nvSpPr>
+            <p:spPr>
+              <a:xfrm>
+                <a:off x="3498683" y="1590690"/>
+                <a:ext cx="1146468" cy="646331"/>
+              </a:xfrm>
+              <a:prstGeom prst="rect">
+                <a:avLst/>
+              </a:prstGeom>
+              <a:noFill/>
+            </p:spPr>
+            <p:txBody>
+              <a:bodyPr wrap="none" rtlCol="0">
+                <a:spAutoFit/>
+              </a:bodyPr>
+              <a:lstStyle/>
+              <a:p>
+                <a:pPr algn="ctr"/>
+                <a:r>
+                  <a:rPr kumimoji="1" lang="en-US" altLang="ja-JP" b="1" dirty="0" smtClean="0">
+                    <a:latin typeface="Helvetica" charset="0"/>
+                    <a:ea typeface="Helvetica" charset="0"/>
+                    <a:cs typeface="Helvetica" charset="0"/>
+                  </a:rPr>
+                  <a:t>PMU</a:t>
+                </a:r>
+              </a:p>
+              <a:p>
+                <a:pPr algn="ctr"/>
+                <a:r>
+                  <a:rPr lang="en-US" altLang="ja-JP" b="1" dirty="0" smtClean="0">
+                    <a:latin typeface="Helvetica" charset="0"/>
+                    <a:ea typeface="Helvetica" charset="0"/>
+                    <a:cs typeface="Helvetica" charset="0"/>
+                  </a:rPr>
+                  <a:t>(Magnet)</a:t>
+                </a:r>
+                <a:endParaRPr kumimoji="1" lang="ja-JP" altLang="en-US" b="1" dirty="0">
+                  <a:latin typeface="Helvetica" charset="0"/>
+                  <a:ea typeface="Helvetica" charset="0"/>
+                  <a:cs typeface="Helvetica" charset="0"/>
+                </a:endParaRPr>
+              </a:p>
+            </p:txBody>
+          </p:sp>
+          <p:sp>
+            <p:nvSpPr>
+              <p:cNvPr id="17" name="テキスト ボックス 16"/>
+              <p:cNvSpPr txBox="1"/>
+              <p:nvPr/>
+            </p:nvSpPr>
+            <p:spPr>
+              <a:xfrm>
+                <a:off x="5895045" y="4888626"/>
+                <a:ext cx="1120820" cy="369332"/>
+              </a:xfrm>
+              <a:prstGeom prst="rect">
+                <a:avLst/>
+              </a:prstGeom>
+              <a:noFill/>
+            </p:spPr>
+            <p:txBody>
+              <a:bodyPr wrap="none" rtlCol="0">
+                <a:spAutoFit/>
+              </a:bodyPr>
+              <a:lstStyle/>
+              <a:p>
+                <a:pPr algn="ctr"/>
+                <a:r>
+                  <a:rPr kumimoji="1" lang="en-US" altLang="ja-JP" b="1" dirty="0" smtClean="0">
+                    <a:latin typeface="Helvetica" charset="0"/>
+                    <a:ea typeface="Helvetica" charset="0"/>
+                    <a:cs typeface="Helvetica" charset="0"/>
+                  </a:rPr>
+                  <a:t>Detector</a:t>
+                </a:r>
+              </a:p>
+            </p:txBody>
+          </p:sp>
+        </p:grpSp>
         <p:sp>
           <p:nvSpPr>
-            <p:cNvPr id="8" name="正方形/長方形 7"/>
-            <p:cNvSpPr/>
-            <p:nvPr/>
-          </p:nvSpPr>
-          <p:spPr>
-            <a:xfrm rot="1800000">
-              <a:off x="4620177" y="2307240"/>
-              <a:ext cx="1560073" cy="186686"/>
-            </a:xfrm>
-            <a:prstGeom prst="rect">
-              <a:avLst/>
-            </a:prstGeom>
-            <a:solidFill>
-              <a:srgbClr val="FF0000">
-                <a:alpha val="30000"/>
-              </a:srgbClr>
-            </a:solidFill>
-            <a:ln w="38100">
-              <a:solidFill>
-                <a:srgbClr val="FF0000"/>
-              </a:solidFill>
-            </a:ln>
-          </p:spPr>
-          <p:style>
-            <a:lnRef idx="2">
-              <a:schemeClr val="accent1">
-                <a:shade val="50000"/>
-              </a:schemeClr>
-            </a:lnRef>
-            <a:fillRef idx="1">
-              <a:schemeClr val="accent1"/>
-            </a:fillRef>
-            <a:effectRef idx="0">
-              <a:schemeClr val="accent1"/>
-            </a:effectRef>
-            <a:fontRef idx="minor">
-              <a:schemeClr val="lt1"/>
-            </a:fontRef>
-          </p:style>
-          <p:txBody>
-            <a:bodyPr rtlCol="0" anchor="ctr"/>
-            <a:lstStyle/>
-            <a:p>
-              <a:pPr algn="ctr"/>
-              <a:endParaRPr kumimoji="1" lang="ja-JP" altLang="en-US"/>
-            </a:p>
-          </p:txBody>
-        </p:sp>
-        <p:sp>
-          <p:nvSpPr>
-            <p:cNvPr id="10" name="テキスト ボックス 9"/>
+            <p:cNvPr id="21" name="テキスト ボックス 20"/>
             <p:cNvSpPr txBox="1"/>
             <p:nvPr/>
           </p:nvSpPr>
           <p:spPr>
             <a:xfrm>
-              <a:off x="3498683" y="1590690"/>
-              <a:ext cx="1146468" cy="646331"/>
+              <a:off x="5715125" y="906152"/>
+              <a:ext cx="979755" cy="369332"/>
             </a:xfrm>
             <a:prstGeom prst="rect">
               <a:avLst/>
@@ -4581,25 +4346,14 @@
             <a:p>
               <a:pPr algn="ctr"/>
               <a:r>
-                <a:rPr kumimoji="1" lang="en-US" altLang="ja-JP" b="1" dirty="0" smtClean="0">
+                <a:rPr kumimoji="1" lang="en-US" altLang="ja-JP" dirty="0" smtClean="0">
                   <a:latin typeface="Helvetica" charset="0"/>
                   <a:ea typeface="Helvetica" charset="0"/>
                   <a:cs typeface="Helvetica" charset="0"/>
                 </a:rPr>
-                <a:t>PMU</a:t>
+                <a:t>400mm</a:t>
               </a:r>
-            </a:p>
-            <a:p>
-              <a:pPr algn="ctr"/>
-              <a:r>
-                <a:rPr lang="en-US" altLang="ja-JP" b="1" dirty="0" smtClean="0">
-                  <a:latin typeface="Helvetica" charset="0"/>
-                  <a:ea typeface="Helvetica" charset="0"/>
-                  <a:cs typeface="Helvetica" charset="0"/>
-                </a:rPr>
-                <a:t>(Magnet)</a:t>
-              </a:r>
-              <a:endParaRPr kumimoji="1" lang="ja-JP" altLang="en-US" b="1" dirty="0">
+              <a:endParaRPr kumimoji="1" lang="ja-JP" altLang="en-US" dirty="0">
                 <a:latin typeface="Helvetica" charset="0"/>
                 <a:ea typeface="Helvetica" charset="0"/>
                 <a:cs typeface="Helvetica" charset="0"/>
@@ -4607,16 +4361,280 @@
             </a:p>
           </p:txBody>
         </p:sp>
+        <p:cxnSp>
+          <p:nvCxnSpPr>
+            <p:cNvPr id="23" name="直線矢印コネクタ 22"/>
+            <p:cNvCxnSpPr/>
+            <p:nvPr/>
+          </p:nvCxnSpPr>
+          <p:spPr>
+            <a:xfrm>
+              <a:off x="5335435" y="1008148"/>
+              <a:ext cx="1191166" cy="701406"/>
+            </a:xfrm>
+            <a:prstGeom prst="straightConnector1">
+              <a:avLst/>
+            </a:prstGeom>
+            <a:ln w="12700">
+              <a:solidFill>
+                <a:schemeClr val="tx1"/>
+              </a:solidFill>
+              <a:headEnd type="arrow" w="med" len="med"/>
+              <a:tailEnd type="arrow" w="med" len="med"/>
+            </a:ln>
+          </p:spPr>
+          <p:style>
+            <a:lnRef idx="1">
+              <a:schemeClr val="accent1"/>
+            </a:lnRef>
+            <a:fillRef idx="0">
+              <a:schemeClr val="accent1"/>
+            </a:fillRef>
+            <a:effectRef idx="0">
+              <a:schemeClr val="accent1"/>
+            </a:effectRef>
+            <a:fontRef idx="minor">
+              <a:schemeClr val="tx1"/>
+            </a:fontRef>
+          </p:style>
+        </p:cxnSp>
+        <p:cxnSp>
+          <p:nvCxnSpPr>
+            <p:cNvPr id="27" name="直線矢印コネクタ 26"/>
+            <p:cNvCxnSpPr/>
+            <p:nvPr/>
+          </p:nvCxnSpPr>
+          <p:spPr>
+            <a:xfrm>
+              <a:off x="5929233" y="2856582"/>
+              <a:ext cx="408642" cy="861978"/>
+            </a:xfrm>
+            <a:prstGeom prst="straightConnector1">
+              <a:avLst/>
+            </a:prstGeom>
+            <a:ln w="12700">
+              <a:solidFill>
+                <a:schemeClr val="tx1"/>
+              </a:solidFill>
+              <a:headEnd type="arrow" w="med" len="med"/>
+              <a:tailEnd type="arrow" w="med" len="med"/>
+            </a:ln>
+          </p:spPr>
+          <p:style>
+            <a:lnRef idx="1">
+              <a:schemeClr val="accent1"/>
+            </a:lnRef>
+            <a:fillRef idx="0">
+              <a:schemeClr val="accent1"/>
+            </a:fillRef>
+            <a:effectRef idx="0">
+              <a:schemeClr val="accent1"/>
+            </a:effectRef>
+            <a:fontRef idx="minor">
+              <a:schemeClr val="tx1"/>
+            </a:fontRef>
+          </p:style>
+        </p:cxnSp>
+      </p:grpSp>
+      <p:grpSp>
+        <p:nvGrpSpPr>
+          <p:cNvPr id="33" name="図形グループ 32"/>
+          <p:cNvGrpSpPr/>
+          <p:nvPr/>
+        </p:nvGrpSpPr>
+        <p:grpSpPr>
+          <a:xfrm>
+            <a:off x="7660562" y="772443"/>
+            <a:ext cx="3029443" cy="4775260"/>
+            <a:chOff x="7510272" y="711483"/>
+            <a:chExt cx="3029443" cy="4775260"/>
+          </a:xfrm>
+        </p:grpSpPr>
+        <p:grpSp>
+          <p:nvGrpSpPr>
+            <p:cNvPr id="19" name="図形グループ 18"/>
+            <p:cNvGrpSpPr>
+              <a:grpSpLocks noChangeAspect="1"/>
+            </p:cNvGrpSpPr>
+            <p:nvPr/>
+          </p:nvGrpSpPr>
+          <p:grpSpPr>
+            <a:xfrm>
+              <a:off x="7510272" y="1090818"/>
+              <a:ext cx="3029443" cy="4395925"/>
+              <a:chOff x="7102494" y="648716"/>
+              <a:chExt cx="3678603" cy="5337899"/>
+            </a:xfrm>
+          </p:grpSpPr>
+          <p:pic>
+            <p:nvPicPr>
+              <p:cNvPr id="7" name="図 6"/>
+              <p:cNvPicPr>
+                <a:picLocks noChangeAspect="1"/>
+              </p:cNvPicPr>
+              <p:nvPr/>
+            </p:nvPicPr>
+            <p:blipFill>
+              <a:blip r:embed="rId3"/>
+              <a:stretch>
+                <a:fillRect/>
+              </a:stretch>
+            </p:blipFill>
+            <p:spPr>
+              <a:xfrm>
+                <a:off x="8544052" y="648716"/>
+                <a:ext cx="2237045" cy="5337899"/>
+              </a:xfrm>
+              <a:prstGeom prst="rect">
+                <a:avLst/>
+              </a:prstGeom>
+            </p:spPr>
+          </p:pic>
+          <p:sp>
+            <p:nvSpPr>
+              <p:cNvPr id="9" name="正方形/長方形 8"/>
+              <p:cNvSpPr/>
+              <p:nvPr/>
+            </p:nvSpPr>
+            <p:spPr>
+              <a:xfrm>
+                <a:off x="8544052" y="1072895"/>
+                <a:ext cx="1733804" cy="170689"/>
+              </a:xfrm>
+              <a:prstGeom prst="rect">
+                <a:avLst/>
+              </a:prstGeom>
+              <a:solidFill>
+                <a:srgbClr val="FF0000">
+                  <a:alpha val="30000"/>
+                </a:srgbClr>
+              </a:solidFill>
+              <a:ln w="38100">
+                <a:solidFill>
+                  <a:srgbClr val="FF0000"/>
+                </a:solidFill>
+              </a:ln>
+            </p:spPr>
+            <p:style>
+              <a:lnRef idx="2">
+                <a:schemeClr val="accent1">
+                  <a:shade val="50000"/>
+                </a:schemeClr>
+              </a:lnRef>
+              <a:fillRef idx="1">
+                <a:schemeClr val="accent1"/>
+              </a:fillRef>
+              <a:effectRef idx="0">
+                <a:schemeClr val="accent1"/>
+              </a:effectRef>
+              <a:fontRef idx="minor">
+                <a:schemeClr val="lt1"/>
+              </a:fontRef>
+            </p:style>
+            <p:txBody>
+              <a:bodyPr rtlCol="0" anchor="ctr"/>
+              <a:lstStyle/>
+              <a:p>
+                <a:pPr algn="ctr"/>
+                <a:endParaRPr kumimoji="1" lang="ja-JP" altLang="en-US"/>
+              </a:p>
+            </p:txBody>
+          </p:sp>
+          <p:sp>
+            <p:nvSpPr>
+              <p:cNvPr id="11" name="テキスト ボックス 10"/>
+              <p:cNvSpPr txBox="1"/>
+              <p:nvPr/>
+            </p:nvSpPr>
+            <p:spPr>
+              <a:xfrm>
+                <a:off x="7102494" y="835073"/>
+                <a:ext cx="1404960" cy="784829"/>
+              </a:xfrm>
+              <a:prstGeom prst="rect">
+                <a:avLst/>
+              </a:prstGeom>
+              <a:noFill/>
+            </p:spPr>
+            <p:txBody>
+              <a:bodyPr wrap="square" rtlCol="0">
+                <a:spAutoFit/>
+              </a:bodyPr>
+              <a:lstStyle/>
+              <a:p>
+                <a:pPr algn="ctr"/>
+                <a:r>
+                  <a:rPr kumimoji="1" lang="en-US" altLang="ja-JP" b="1" dirty="0" smtClean="0">
+                    <a:latin typeface="Helvetica" charset="0"/>
+                    <a:ea typeface="Helvetica" charset="0"/>
+                    <a:cs typeface="Helvetica" charset="0"/>
+                  </a:rPr>
+                  <a:t>PMU</a:t>
+                </a:r>
+              </a:p>
+              <a:p>
+                <a:pPr algn="ctr"/>
+                <a:r>
+                  <a:rPr lang="en-US" altLang="ja-JP" b="1" dirty="0" smtClean="0">
+                    <a:latin typeface="Helvetica" charset="0"/>
+                    <a:ea typeface="Helvetica" charset="0"/>
+                    <a:cs typeface="Helvetica" charset="0"/>
+                  </a:rPr>
+                  <a:t>(Magnet)</a:t>
+                </a:r>
+                <a:endParaRPr kumimoji="1" lang="ja-JP" altLang="en-US" b="1" dirty="0">
+                  <a:latin typeface="Helvetica" charset="0"/>
+                  <a:ea typeface="Helvetica" charset="0"/>
+                  <a:cs typeface="Helvetica" charset="0"/>
+                </a:endParaRPr>
+              </a:p>
+            </p:txBody>
+          </p:sp>
+          <p:sp>
+            <p:nvSpPr>
+              <p:cNvPr id="18" name="テキスト ボックス 17"/>
+              <p:cNvSpPr txBox="1"/>
+              <p:nvPr/>
+            </p:nvSpPr>
+            <p:spPr>
+              <a:xfrm>
+                <a:off x="7653765" y="5284964"/>
+                <a:ext cx="1120820" cy="369332"/>
+              </a:xfrm>
+              <a:prstGeom prst="rect">
+                <a:avLst/>
+              </a:prstGeom>
+              <a:noFill/>
+            </p:spPr>
+            <p:txBody>
+              <a:bodyPr wrap="none" rtlCol="0">
+                <a:spAutoFit/>
+              </a:bodyPr>
+              <a:lstStyle/>
+              <a:p>
+                <a:pPr algn="ctr"/>
+                <a:r>
+                  <a:rPr kumimoji="1" lang="en-US" altLang="ja-JP" b="1" dirty="0" smtClean="0">
+                    <a:latin typeface="Helvetica" charset="0"/>
+                    <a:ea typeface="Helvetica" charset="0"/>
+                    <a:cs typeface="Helvetica" charset="0"/>
+                  </a:rPr>
+                  <a:t>Detector</a:t>
+                </a:r>
+              </a:p>
+            </p:txBody>
+          </p:sp>
+        </p:grpSp>
         <p:sp>
           <p:nvSpPr>
-            <p:cNvPr id="17" name="テキスト ボックス 16"/>
+            <p:cNvPr id="24" name="テキスト ボックス 23"/>
             <p:cNvSpPr txBox="1"/>
             <p:nvPr/>
           </p:nvSpPr>
           <p:spPr>
             <a:xfrm>
-              <a:off x="5895045" y="4888626"/>
-              <a:ext cx="1120820" cy="369332"/>
+              <a:off x="8905943" y="711483"/>
+              <a:ext cx="954108" cy="369332"/>
             </a:xfrm>
             <a:prstGeom prst="rect">
               <a:avLst/>
@@ -4631,150 +4649,22 @@
             <a:p>
               <a:pPr algn="ctr"/>
               <a:r>
-                <a:rPr kumimoji="1" lang="en-US" altLang="ja-JP" b="1" dirty="0" smtClean="0">
+                <a:rPr lang="en-US" altLang="ja-JP" dirty="0">
                   <a:latin typeface="Helvetica" charset="0"/>
                   <a:ea typeface="Helvetica" charset="0"/>
                   <a:cs typeface="Helvetica" charset="0"/>
                 </a:rPr>
-                <a:t>Detector</a:t>
+                <a:t>2</a:t>
               </a:r>
-            </a:p>
-          </p:txBody>
-        </p:sp>
-      </p:grpSp>
-      <p:grpSp>
-        <p:nvGrpSpPr>
-          <p:cNvPr id="19" name="図形グループ 18"/>
-          <p:cNvGrpSpPr>
-            <a:grpSpLocks noChangeAspect="1"/>
-          </p:cNvGrpSpPr>
-          <p:nvPr/>
-        </p:nvGrpSpPr>
-        <p:grpSpPr>
-          <a:xfrm>
-            <a:off x="7510272" y="1090818"/>
-            <a:ext cx="3029443" cy="4395925"/>
-            <a:chOff x="7102494" y="648716"/>
-            <a:chExt cx="3678603" cy="5337899"/>
-          </a:xfrm>
-        </p:grpSpPr>
-        <p:pic>
-          <p:nvPicPr>
-            <p:cNvPr id="7" name="図 6"/>
-            <p:cNvPicPr>
-              <a:picLocks noChangeAspect="1"/>
-            </p:cNvPicPr>
-            <p:nvPr/>
-          </p:nvPicPr>
-          <p:blipFill>
-            <a:blip r:embed="rId3"/>
-            <a:stretch>
-              <a:fillRect/>
-            </a:stretch>
-          </p:blipFill>
-          <p:spPr>
-            <a:xfrm>
-              <a:off x="8544052" y="648716"/>
-              <a:ext cx="2237045" cy="5337899"/>
-            </a:xfrm>
-            <a:prstGeom prst="rect">
-              <a:avLst/>
-            </a:prstGeom>
-          </p:spPr>
-        </p:pic>
-        <p:sp>
-          <p:nvSpPr>
-            <p:cNvPr id="9" name="正方形/長方形 8"/>
-            <p:cNvSpPr/>
-            <p:nvPr/>
-          </p:nvSpPr>
-          <p:spPr>
-            <a:xfrm>
-              <a:off x="8544052" y="1072895"/>
-              <a:ext cx="1733804" cy="170689"/>
-            </a:xfrm>
-            <a:prstGeom prst="rect">
-              <a:avLst/>
-            </a:prstGeom>
-            <a:solidFill>
-              <a:srgbClr val="FF0000">
-                <a:alpha val="30000"/>
-              </a:srgbClr>
-            </a:solidFill>
-            <a:ln w="38100">
-              <a:solidFill>
-                <a:srgbClr val="FF0000"/>
-              </a:solidFill>
-            </a:ln>
-          </p:spPr>
-          <p:style>
-            <a:lnRef idx="2">
-              <a:schemeClr val="accent1">
-                <a:shade val="50000"/>
-              </a:schemeClr>
-            </a:lnRef>
-            <a:fillRef idx="1">
-              <a:schemeClr val="accent1"/>
-            </a:fillRef>
-            <a:effectRef idx="0">
-              <a:schemeClr val="accent1"/>
-            </a:effectRef>
-            <a:fontRef idx="minor">
-              <a:schemeClr val="lt1"/>
-            </a:fontRef>
-          </p:style>
-          <p:txBody>
-            <a:bodyPr rtlCol="0" anchor="ctr"/>
-            <a:lstStyle/>
-            <a:p>
-              <a:pPr algn="ctr"/>
-              <a:endParaRPr kumimoji="1" lang="ja-JP" altLang="en-US"/>
-            </a:p>
-          </p:txBody>
-        </p:sp>
-        <p:sp>
-          <p:nvSpPr>
-            <p:cNvPr id="11" name="テキスト ボックス 10"/>
-            <p:cNvSpPr txBox="1"/>
-            <p:nvPr/>
-          </p:nvSpPr>
-          <p:spPr>
-            <a:xfrm>
-              <a:off x="7102494" y="835073"/>
-              <a:ext cx="1404960" cy="784829"/>
-            </a:xfrm>
-            <a:prstGeom prst="rect">
-              <a:avLst/>
-            </a:prstGeom>
-            <a:noFill/>
-          </p:spPr>
-          <p:txBody>
-            <a:bodyPr wrap="square" rtlCol="0">
-              <a:spAutoFit/>
-            </a:bodyPr>
-            <a:lstStyle/>
-            <a:p>
-              <a:pPr algn="ctr"/>
               <a:r>
-                <a:rPr kumimoji="1" lang="en-US" altLang="ja-JP" b="1" dirty="0" smtClean="0">
+                <a:rPr kumimoji="1" lang="en-US" altLang="ja-JP" dirty="0" smtClean="0">
                   <a:latin typeface="Helvetica" charset="0"/>
                   <a:ea typeface="Helvetica" charset="0"/>
                   <a:cs typeface="Helvetica" charset="0"/>
                 </a:rPr>
-                <a:t>PMU</a:t>
+                <a:t>00mm</a:t>
               </a:r>
-            </a:p>
-            <a:p>
-              <a:pPr algn="ctr"/>
-              <a:r>
-                <a:rPr lang="en-US" altLang="ja-JP" b="1" dirty="0" smtClean="0">
-                  <a:latin typeface="Helvetica" charset="0"/>
-                  <a:ea typeface="Helvetica" charset="0"/>
-                  <a:cs typeface="Helvetica" charset="0"/>
-                </a:rPr>
-                <a:t>(Magnet)</a:t>
-              </a:r>
-              <a:endParaRPr kumimoji="1" lang="ja-JP" altLang="en-US" b="1" dirty="0">
+              <a:endParaRPr kumimoji="1" lang="ja-JP" altLang="en-US" dirty="0">
                 <a:latin typeface="Helvetica" charset="0"/>
                 <a:ea typeface="Helvetica" charset="0"/>
                 <a:cs typeface="Helvetica" charset="0"/>
@@ -4782,51 +4672,187 @@
             </a:p>
           </p:txBody>
         </p:sp>
-        <p:sp>
-          <p:nvSpPr>
-            <p:cNvPr id="18" name="テキスト ボックス 17"/>
-            <p:cNvSpPr txBox="1"/>
+        <p:cxnSp>
+          <p:nvCxnSpPr>
+            <p:cNvPr id="25" name="直線矢印コネクタ 24"/>
+            <p:cNvCxnSpPr/>
             <p:nvPr/>
-          </p:nvSpPr>
+          </p:nvCxnSpPr>
           <p:spPr>
             <a:xfrm>
-              <a:off x="8850544" y="5617283"/>
-              <a:ext cx="1120820" cy="369332"/>
+              <a:off x="8698128" y="1090818"/>
+              <a:ext cx="1369739" cy="1378"/>
             </a:xfrm>
-            <a:prstGeom prst="rect">
+            <a:prstGeom prst="straightConnector1">
               <a:avLst/>
             </a:prstGeom>
+            <a:ln w="12700">
+              <a:solidFill>
+                <a:schemeClr val="tx1"/>
+              </a:solidFill>
+              <a:headEnd type="arrow" w="med" len="med"/>
+              <a:tailEnd type="arrow" w="med" len="med"/>
+            </a:ln>
+          </p:spPr>
+          <p:style>
+            <a:lnRef idx="1">
+              <a:schemeClr val="accent1"/>
+            </a:lnRef>
+            <a:fillRef idx="0">
+              <a:schemeClr val="accent1"/>
+            </a:fillRef>
+            <a:effectRef idx="0">
+              <a:schemeClr val="accent1"/>
+            </a:effectRef>
+            <a:fontRef idx="minor">
+              <a:schemeClr val="tx1"/>
+            </a:fontRef>
+          </p:style>
+        </p:cxnSp>
+        <p:cxnSp>
+          <p:nvCxnSpPr>
+            <p:cNvPr id="29" name="直線矢印コネクタ 28"/>
+            <p:cNvCxnSpPr/>
+            <p:nvPr/>
+          </p:nvCxnSpPr>
+          <p:spPr>
+            <a:xfrm flipH="1">
+              <a:off x="10338816" y="1686551"/>
+              <a:ext cx="0" cy="3363533"/>
+            </a:xfrm>
+            <a:prstGeom prst="straightConnector1">
+              <a:avLst/>
+            </a:prstGeom>
+            <a:ln w="12700">
+              <a:solidFill>
+                <a:schemeClr val="tx1"/>
+              </a:solidFill>
+              <a:headEnd type="arrow" w="med" len="med"/>
+              <a:tailEnd type="arrow" w="med" len="med"/>
+            </a:ln>
+          </p:spPr>
+          <p:style>
+            <a:lnRef idx="1">
+              <a:schemeClr val="accent1"/>
+            </a:lnRef>
+            <a:fillRef idx="0">
+              <a:schemeClr val="accent1"/>
+            </a:fillRef>
+            <a:effectRef idx="0">
+              <a:schemeClr val="accent1"/>
+            </a:effectRef>
+            <a:fontRef idx="minor">
+              <a:schemeClr val="tx1"/>
+            </a:fontRef>
+          </p:style>
+        </p:cxnSp>
+      </p:grpSp>
+    </p:spTree>
+    <p:extLst>
+      <p:ext uri="{BB962C8B-B14F-4D97-AF65-F5344CB8AC3E}">
+        <p14:creationId xmlns:p14="http://schemas.microsoft.com/office/powerpoint/2010/main" val="1074699389"/>
+      </p:ext>
+    </p:extLst>
+  </p:cSld>
+  <p:clrMapOvr>
+    <a:masterClrMapping/>
+  </p:clrMapOvr>
+</p:sld>
+</file>
+
+<file path=ppt/slides/slide3.xml><?xml version="1.0" encoding="utf-8"?>
+<p:sld xmlns:a="http://schemas.openxmlformats.org/drawingml/2006/main" xmlns:r="http://schemas.openxmlformats.org/officeDocument/2006/relationships" xmlns:p="http://schemas.openxmlformats.org/presentationml/2006/main">
+  <p:cSld>
+    <p:spTree>
+      <p:nvGrpSpPr>
+        <p:cNvPr id="1" name=""/>
+        <p:cNvGrpSpPr/>
+        <p:nvPr/>
+      </p:nvGrpSpPr>
+      <p:grpSpPr>
+        <a:xfrm>
+          <a:off x="0" y="0"/>
+          <a:ext cx="0" cy="0"/>
+          <a:chOff x="0" y="0"/>
+          <a:chExt cx="0" cy="0"/>
+        </a:xfrm>
+      </p:grpSpPr>
+      <p:pic>
+        <p:nvPicPr>
+          <p:cNvPr id="2" name="図 1"/>
+          <p:cNvPicPr/>
+          <p:nvPr/>
+        </p:nvPicPr>
+        <p:blipFill>
+          <a:blip r:embed="rId2" cstate="print">
+            <a:extLst>
+              <a:ext uri="{28A0092B-C50C-407E-A947-70E740481C1C}">
+                <a14:useLocalDpi xmlns:a14="http://schemas.microsoft.com/office/drawing/2010/main" val="0"/>
+              </a:ext>
+            </a:extLst>
+          </a:blip>
+          <a:srcRect/>
+          <a:stretch>
+            <a:fillRect/>
+          </a:stretch>
+        </p:blipFill>
+        <p:spPr bwMode="auto">
+          <a:xfrm>
+            <a:off x="2867660" y="2338514"/>
+            <a:ext cx="1945640" cy="1839595"/>
+          </a:xfrm>
+          <a:prstGeom prst="rect">
+            <a:avLst/>
+          </a:prstGeom>
+          <a:noFill/>
+          <a:ln>
             <a:noFill/>
-          </p:spPr>
-          <p:txBody>
-            <a:bodyPr wrap="none" rtlCol="0">
-              <a:spAutoFit/>
-            </a:bodyPr>
-            <a:lstStyle/>
-            <a:p>
-              <a:pPr algn="ctr"/>
-              <a:r>
-                <a:rPr kumimoji="1" lang="en-US" altLang="ja-JP" b="1" dirty="0" smtClean="0">
-                  <a:latin typeface="Helvetica" charset="0"/>
-                  <a:ea typeface="Helvetica" charset="0"/>
-                  <a:cs typeface="Helvetica" charset="0"/>
-                </a:rPr>
-                <a:t>Detector</a:t>
-              </a:r>
-            </a:p>
-          </p:txBody>
-        </p:sp>
-      </p:grpSp>
-      <p:sp>
-        <p:nvSpPr>
-          <p:cNvPr id="21" name="テキスト ボックス 20"/>
+          </a:ln>
+        </p:spPr>
+      </p:pic>
+      <p:pic>
+        <p:nvPicPr>
+          <p:cNvPr id="3" name="図 2"/>
+          <p:cNvPicPr/>
+          <p:nvPr/>
+        </p:nvPicPr>
+        <p:blipFill>
+          <a:blip r:embed="rId3" cstate="print">
+            <a:extLst>
+              <a:ext uri="{28A0092B-C50C-407E-A947-70E740481C1C}">
+                <a14:useLocalDpi xmlns:a14="http://schemas.microsoft.com/office/drawing/2010/main" val="0"/>
+              </a:ext>
+            </a:extLst>
+          </a:blip>
+          <a:srcRect/>
+          <a:stretch>
+            <a:fillRect/>
+          </a:stretch>
+        </p:blipFill>
+        <p:spPr bwMode="auto">
+          <a:xfrm>
+            <a:off x="5093716" y="2363278"/>
+            <a:ext cx="2520950" cy="1790065"/>
+          </a:xfrm>
+          <a:prstGeom prst="rect">
+            <a:avLst/>
+          </a:prstGeom>
+          <a:noFill/>
+          <a:ln>
+            <a:noFill/>
+          </a:ln>
+        </p:spPr>
+      </p:pic>
+      <p:sp>
+        <p:nvSpPr>
+          <p:cNvPr id="5" name="テキスト ボックス 4"/>
           <p:cNvSpPr txBox="1"/>
           <p:nvPr/>
         </p:nvSpPr>
         <p:spPr>
           <a:xfrm>
-            <a:off x="6058466" y="906152"/>
-            <a:ext cx="979755" cy="369332"/>
+            <a:off x="2362039" y="4437887"/>
+            <a:ext cx="2262158" cy="369332"/>
           </a:xfrm>
           <a:prstGeom prst="rect">
             <a:avLst/>
@@ -4841,12 +4867,12 @@
           <a:p>
             <a:pPr algn="ctr"/>
             <a:r>
-              <a:rPr kumimoji="1" lang="en-US" altLang="ja-JP" dirty="0" smtClean="0">
+              <a:rPr kumimoji="1" lang="en-US" altLang="ja-JP" smtClean="0">
                 <a:latin typeface="Helvetica" charset="0"/>
                 <a:ea typeface="Helvetica" charset="0"/>
                 <a:cs typeface="Helvetica" charset="0"/>
               </a:rPr>
-              <a:t>400mm</a:t>
+              <a:t>Axial magnetization</a:t>
             </a:r>
             <a:endParaRPr kumimoji="1" lang="ja-JP" altLang="en-US" dirty="0">
               <a:latin typeface="Helvetica" charset="0"/>
@@ -4856,53 +4882,16 @@
           </a:p>
         </p:txBody>
       </p:sp>
-      <p:cxnSp>
-        <p:nvCxnSpPr>
-          <p:cNvPr id="23" name="直線矢印コネクタ 22"/>
-          <p:cNvCxnSpPr/>
+      <p:sp>
+        <p:nvSpPr>
+          <p:cNvPr id="6" name="テキスト ボックス 5"/>
+          <p:cNvSpPr txBox="1"/>
           <p:nvPr/>
-        </p:nvCxnSpPr>
+        </p:nvSpPr>
         <p:spPr>
           <a:xfrm>
-            <a:off x="5678776" y="1008148"/>
-            <a:ext cx="1191166" cy="701406"/>
-          </a:xfrm>
-          <a:prstGeom prst="straightConnector1">
-            <a:avLst/>
-          </a:prstGeom>
-          <a:ln w="12700">
-            <a:solidFill>
-              <a:schemeClr val="tx1"/>
-            </a:solidFill>
-            <a:headEnd type="arrow" w="med" len="med"/>
-            <a:tailEnd type="arrow" w="med" len="med"/>
-          </a:ln>
-        </p:spPr>
-        <p:style>
-          <a:lnRef idx="1">
-            <a:schemeClr val="accent1"/>
-          </a:lnRef>
-          <a:fillRef idx="0">
-            <a:schemeClr val="accent1"/>
-          </a:fillRef>
-          <a:effectRef idx="0">
-            <a:schemeClr val="accent1"/>
-          </a:effectRef>
-          <a:fontRef idx="minor">
-            <a:schemeClr val="tx1"/>
-          </a:fontRef>
-        </p:style>
-      </p:cxnSp>
-      <p:sp>
-        <p:nvSpPr>
-          <p:cNvPr id="24" name="テキスト ボックス 23"/>
-          <p:cNvSpPr txBox="1"/>
-          <p:nvPr/>
-        </p:nvSpPr>
-        <p:spPr>
-          <a:xfrm>
-            <a:off x="8905944" y="637928"/>
-            <a:ext cx="954108" cy="369332"/>
+            <a:off x="5409676" y="4299388"/>
+            <a:ext cx="2339102" cy="646331"/>
           </a:xfrm>
           <a:prstGeom prst="rect">
             <a:avLst/>
@@ -4917,12 +4906,12 @@
           <a:p>
             <a:pPr algn="ctr"/>
             <a:r>
-              <a:rPr lang="en-US" altLang="ja-JP" dirty="0">
+              <a:rPr lang="en-US" altLang="ja-JP" dirty="0" smtClean="0">
                 <a:latin typeface="Helvetica" charset="0"/>
                 <a:ea typeface="Helvetica" charset="0"/>
                 <a:cs typeface="Helvetica" charset="0"/>
               </a:rPr>
-              <a:t>2</a:t>
+              <a:t>Radial</a:t>
             </a:r>
             <a:r>
               <a:rPr kumimoji="1" lang="en-US" altLang="ja-JP" dirty="0" smtClean="0">
@@ -4930,7 +4919,18 @@
                 <a:ea typeface="Helvetica" charset="0"/>
                 <a:cs typeface="Helvetica" charset="0"/>
               </a:rPr>
-              <a:t>00mm</a:t>
+              <a:t> magnetization</a:t>
+            </a:r>
+          </a:p>
+          <a:p>
+            <a:pPr algn="ctr"/>
+            <a:r>
+              <a:rPr lang="en-US" altLang="ja-JP" dirty="0" smtClean="0">
+                <a:latin typeface="Helvetica" charset="0"/>
+                <a:ea typeface="Helvetica" charset="0"/>
+                <a:cs typeface="Helvetica" charset="0"/>
+              </a:rPr>
+              <a:t>+ Iron yoke</a:t>
             </a:r>
             <a:endParaRPr kumimoji="1" lang="ja-JP" altLang="en-US" dirty="0">
               <a:latin typeface="Helvetica" charset="0"/>
@@ -4940,121 +4940,10 @@
           </a:p>
         </p:txBody>
       </p:sp>
-      <p:cxnSp>
-        <p:nvCxnSpPr>
-          <p:cNvPr id="25" name="直線矢印コネクタ 24"/>
-          <p:cNvCxnSpPr/>
-          <p:nvPr/>
-        </p:nvCxnSpPr>
-        <p:spPr>
-          <a:xfrm>
-            <a:off x="8698128" y="1090818"/>
-            <a:ext cx="1369739" cy="1378"/>
-          </a:xfrm>
-          <a:prstGeom prst="straightConnector1">
-            <a:avLst/>
-          </a:prstGeom>
-          <a:ln w="12700">
-            <a:solidFill>
-              <a:schemeClr val="tx1"/>
-            </a:solidFill>
-            <a:headEnd type="arrow" w="med" len="med"/>
-            <a:tailEnd type="arrow" w="med" len="med"/>
-          </a:ln>
-        </p:spPr>
-        <p:style>
-          <a:lnRef idx="1">
-            <a:schemeClr val="accent1"/>
-          </a:lnRef>
-          <a:fillRef idx="0">
-            <a:schemeClr val="accent1"/>
-          </a:fillRef>
-          <a:effectRef idx="0">
-            <a:schemeClr val="accent1"/>
-          </a:effectRef>
-          <a:fontRef idx="minor">
-            <a:schemeClr val="tx1"/>
-          </a:fontRef>
-        </p:style>
-      </p:cxnSp>
-      <p:cxnSp>
-        <p:nvCxnSpPr>
-          <p:cNvPr id="27" name="直線矢印コネクタ 26"/>
-          <p:cNvCxnSpPr/>
-          <p:nvPr/>
-        </p:nvCxnSpPr>
-        <p:spPr>
-          <a:xfrm>
-            <a:off x="6272574" y="2856582"/>
-            <a:ext cx="408642" cy="861978"/>
-          </a:xfrm>
-          <a:prstGeom prst="straightConnector1">
-            <a:avLst/>
-          </a:prstGeom>
-          <a:ln w="12700">
-            <a:solidFill>
-              <a:schemeClr val="tx1"/>
-            </a:solidFill>
-            <a:headEnd type="arrow" w="med" len="med"/>
-            <a:tailEnd type="arrow" w="med" len="med"/>
-          </a:ln>
-        </p:spPr>
-        <p:style>
-          <a:lnRef idx="1">
-            <a:schemeClr val="accent1"/>
-          </a:lnRef>
-          <a:fillRef idx="0">
-            <a:schemeClr val="accent1"/>
-          </a:fillRef>
-          <a:effectRef idx="0">
-            <a:schemeClr val="accent1"/>
-          </a:effectRef>
-          <a:fontRef idx="minor">
-            <a:schemeClr val="tx1"/>
-          </a:fontRef>
-        </p:style>
-      </p:cxnSp>
-      <p:cxnSp>
-        <p:nvCxnSpPr>
-          <p:cNvPr id="29" name="直線矢印コネクタ 28"/>
-          <p:cNvCxnSpPr/>
-          <p:nvPr/>
-        </p:nvCxnSpPr>
-        <p:spPr>
-          <a:xfrm flipH="1">
-            <a:off x="10338816" y="1686551"/>
-            <a:ext cx="0" cy="3363533"/>
-          </a:xfrm>
-          <a:prstGeom prst="straightConnector1">
-            <a:avLst/>
-          </a:prstGeom>
-          <a:ln w="12700">
-            <a:solidFill>
-              <a:schemeClr val="tx1"/>
-            </a:solidFill>
-            <a:headEnd type="arrow" w="med" len="med"/>
-            <a:tailEnd type="arrow" w="med" len="med"/>
-          </a:ln>
-        </p:spPr>
-        <p:style>
-          <a:lnRef idx="1">
-            <a:schemeClr val="accent1"/>
-          </a:lnRef>
-          <a:fillRef idx="0">
-            <a:schemeClr val="accent1"/>
-          </a:fillRef>
-          <a:effectRef idx="0">
-            <a:schemeClr val="accent1"/>
-          </a:effectRef>
-          <a:fontRef idx="minor">
-            <a:schemeClr val="tx1"/>
-          </a:fontRef>
-        </p:style>
-      </p:cxnSp>
     </p:spTree>
     <p:extLst>
       <p:ext uri="{BB962C8B-B14F-4D97-AF65-F5344CB8AC3E}">
-        <p14:creationId xmlns:p14="http://schemas.microsoft.com/office/powerpoint/2010/main" val="1074699389"/>
+        <p14:creationId xmlns:p14="http://schemas.microsoft.com/office/powerpoint/2010/main" val="218000529"/>
       </p:ext>
     </p:extLst>
   </p:cSld>
